--- a/docs/diagrams/StorageComponentClassDiagram.pptx
+++ b/docs/diagrams/StorageComponentClassDiagram.pptx
@@ -107,6 +107,22 @@
       </a:defRPr>
     </a:lvl9pPr>
   </p:defaultTextStyle>
+  <p:extLst>
+    <p:ext uri="{EFAFB233-063F-42B5-8137-9DF3F51BA10A}">
+      <p15:sldGuideLst xmlns:p15="http://schemas.microsoft.com/office/powerpoint/2012/main">
+        <p15:guide id="1" orient="horz" pos="1488">
+          <p15:clr>
+            <a:srgbClr val="A4A3A4"/>
+          </p15:clr>
+        </p15:guide>
+        <p15:guide id="2" pos="2880">
+          <p15:clr>
+            <a:srgbClr val="A4A3A4"/>
+          </p15:clr>
+        </p15:guide>
+      </p15:sldGuideLst>
+    </p:ext>
+  </p:extLst>
 </p:presentation>
 </file>
 
@@ -192,7 +208,7 @@
           <a:p>
             <a:fld id="{F5CC4B3F-88C1-4FFA-B1B6-F41C21DC6924}" type="datetimeFigureOut">
               <a:rPr lang="en-US" smtClean="0"/>
-              <a:t>10/16/2016</a:t>
+              <a:t>9/18/18</a:t>
             </a:fld>
             <a:endParaRPr lang="en-US"/>
           </a:p>
@@ -256,38 +272,37 @@
           <a:p>
             <a:pPr lvl="0"/>
             <a:r>
-              <a:rPr lang="en-US" smtClean="0"/>
+              <a:rPr lang="en-US"/>
               <a:t>Click to edit Master text styles</a:t>
             </a:r>
           </a:p>
           <a:p>
             <a:pPr lvl="1"/>
             <a:r>
-              <a:rPr lang="en-US" smtClean="0"/>
+              <a:rPr lang="en-US"/>
               <a:t>Second level</a:t>
             </a:r>
           </a:p>
           <a:p>
             <a:pPr lvl="2"/>
             <a:r>
-              <a:rPr lang="en-US" smtClean="0"/>
+              <a:rPr lang="en-US"/>
               <a:t>Third level</a:t>
             </a:r>
           </a:p>
           <a:p>
             <a:pPr lvl="3"/>
             <a:r>
-              <a:rPr lang="en-US" smtClean="0"/>
+              <a:rPr lang="en-US"/>
               <a:t>Fourth level</a:t>
             </a:r>
           </a:p>
           <a:p>
             <a:pPr lvl="4"/>
             <a:r>
-              <a:rPr lang="en-US" smtClean="0"/>
+              <a:rPr lang="en-US"/>
               <a:t>Fifth level</a:t>
             </a:r>
-            <a:endParaRPr lang="en-US"/>
           </a:p>
         </p:txBody>
       </p:sp>
@@ -498,10 +513,9 @@
           <a:lstStyle/>
           <a:p>
             <a:r>
-              <a:rPr lang="en-US" smtClean="0"/>
+              <a:rPr lang="en-US"/>
               <a:t>Click to edit Master title style</a:t>
             </a:r>
-            <a:endParaRPr lang="en-US"/>
           </a:p>
         </p:txBody>
       </p:sp>
@@ -617,10 +631,9 @@
           </a:lstStyle>
           <a:p>
             <a:r>
-              <a:rPr lang="en-US" smtClean="0"/>
+              <a:rPr lang="en-US"/>
               <a:t>Click to edit Master subtitle style</a:t>
             </a:r>
-            <a:endParaRPr lang="en-US"/>
           </a:p>
         </p:txBody>
       </p:sp>
@@ -641,7 +654,7 @@
           <a:p>
             <a:fld id="{78C97017-6FC3-485B-9764-EAC9E56C1D49}" type="datetimeFigureOut">
               <a:rPr lang="en-US" smtClean="0"/>
-              <a:t>10/16/2016</a:t>
+              <a:t>9/18/18</a:t>
             </a:fld>
             <a:endParaRPr lang="en-US"/>
           </a:p>
@@ -735,10 +748,9 @@
           <a:lstStyle/>
           <a:p>
             <a:r>
-              <a:rPr lang="en-US" smtClean="0"/>
+              <a:rPr lang="en-US"/>
               <a:t>Click to edit Master title style</a:t>
             </a:r>
-            <a:endParaRPr lang="en-US"/>
           </a:p>
         </p:txBody>
       </p:sp>
@@ -759,38 +771,37 @@
           <a:p>
             <a:pPr lvl="0"/>
             <a:r>
-              <a:rPr lang="en-US" smtClean="0"/>
+              <a:rPr lang="en-US"/>
               <a:t>Click to edit Master text styles</a:t>
             </a:r>
           </a:p>
           <a:p>
             <a:pPr lvl="1"/>
             <a:r>
-              <a:rPr lang="en-US" smtClean="0"/>
+              <a:rPr lang="en-US"/>
               <a:t>Second level</a:t>
             </a:r>
           </a:p>
           <a:p>
             <a:pPr lvl="2"/>
             <a:r>
-              <a:rPr lang="en-US" smtClean="0"/>
+              <a:rPr lang="en-US"/>
               <a:t>Third level</a:t>
             </a:r>
           </a:p>
           <a:p>
             <a:pPr lvl="3"/>
             <a:r>
-              <a:rPr lang="en-US" smtClean="0"/>
+              <a:rPr lang="en-US"/>
               <a:t>Fourth level</a:t>
             </a:r>
           </a:p>
           <a:p>
             <a:pPr lvl="4"/>
             <a:r>
-              <a:rPr lang="en-US" smtClean="0"/>
+              <a:rPr lang="en-US"/>
               <a:t>Fifth level</a:t>
             </a:r>
-            <a:endParaRPr lang="en-US"/>
           </a:p>
         </p:txBody>
       </p:sp>
@@ -811,7 +822,7 @@
           <a:p>
             <a:fld id="{78C97017-6FC3-485B-9764-EAC9E56C1D49}" type="datetimeFigureOut">
               <a:rPr lang="en-US" smtClean="0"/>
-              <a:t>10/16/2016</a:t>
+              <a:t>9/18/18</a:t>
             </a:fld>
             <a:endParaRPr lang="en-US"/>
           </a:p>
@@ -910,10 +921,9 @@
           <a:lstStyle/>
           <a:p>
             <a:r>
-              <a:rPr lang="en-US" smtClean="0"/>
+              <a:rPr lang="en-US"/>
               <a:t>Click to edit Master title style</a:t>
             </a:r>
-            <a:endParaRPr lang="en-US"/>
           </a:p>
         </p:txBody>
       </p:sp>
@@ -939,38 +949,37 @@
           <a:p>
             <a:pPr lvl="0"/>
             <a:r>
-              <a:rPr lang="en-US" smtClean="0"/>
+              <a:rPr lang="en-US"/>
               <a:t>Click to edit Master text styles</a:t>
             </a:r>
           </a:p>
           <a:p>
             <a:pPr lvl="1"/>
             <a:r>
-              <a:rPr lang="en-US" smtClean="0"/>
+              <a:rPr lang="en-US"/>
               <a:t>Second level</a:t>
             </a:r>
           </a:p>
           <a:p>
             <a:pPr lvl="2"/>
             <a:r>
-              <a:rPr lang="en-US" smtClean="0"/>
+              <a:rPr lang="en-US"/>
               <a:t>Third level</a:t>
             </a:r>
           </a:p>
           <a:p>
             <a:pPr lvl="3"/>
             <a:r>
-              <a:rPr lang="en-US" smtClean="0"/>
+              <a:rPr lang="en-US"/>
               <a:t>Fourth level</a:t>
             </a:r>
           </a:p>
           <a:p>
             <a:pPr lvl="4"/>
             <a:r>
-              <a:rPr lang="en-US" smtClean="0"/>
+              <a:rPr lang="en-US"/>
               <a:t>Fifth level</a:t>
             </a:r>
-            <a:endParaRPr lang="en-US"/>
           </a:p>
         </p:txBody>
       </p:sp>
@@ -991,7 +1000,7 @@
           <a:p>
             <a:fld id="{78C97017-6FC3-485B-9764-EAC9E56C1D49}" type="datetimeFigureOut">
               <a:rPr lang="en-US" smtClean="0"/>
-              <a:t>10/16/2016</a:t>
+              <a:t>9/18/18</a:t>
             </a:fld>
             <a:endParaRPr lang="en-US"/>
           </a:p>
@@ -1085,10 +1094,9 @@
           <a:lstStyle/>
           <a:p>
             <a:r>
-              <a:rPr lang="en-US" smtClean="0"/>
+              <a:rPr lang="en-US"/>
               <a:t>Click to edit Master title style</a:t>
             </a:r>
-            <a:endParaRPr lang="en-US"/>
           </a:p>
         </p:txBody>
       </p:sp>
@@ -1109,38 +1117,37 @@
           <a:p>
             <a:pPr lvl="0"/>
             <a:r>
-              <a:rPr lang="en-US" smtClean="0"/>
+              <a:rPr lang="en-US"/>
               <a:t>Click to edit Master text styles</a:t>
             </a:r>
           </a:p>
           <a:p>
             <a:pPr lvl="1"/>
             <a:r>
-              <a:rPr lang="en-US" smtClean="0"/>
+              <a:rPr lang="en-US"/>
               <a:t>Second level</a:t>
             </a:r>
           </a:p>
           <a:p>
             <a:pPr lvl="2"/>
             <a:r>
-              <a:rPr lang="en-US" smtClean="0"/>
+              <a:rPr lang="en-US"/>
               <a:t>Third level</a:t>
             </a:r>
           </a:p>
           <a:p>
             <a:pPr lvl="3"/>
             <a:r>
-              <a:rPr lang="en-US" smtClean="0"/>
+              <a:rPr lang="en-US"/>
               <a:t>Fourth level</a:t>
             </a:r>
           </a:p>
           <a:p>
             <a:pPr lvl="4"/>
             <a:r>
-              <a:rPr lang="en-US" smtClean="0"/>
+              <a:rPr lang="en-US"/>
               <a:t>Fifth level</a:t>
             </a:r>
-            <a:endParaRPr lang="en-US"/>
           </a:p>
         </p:txBody>
       </p:sp>
@@ -1161,7 +1168,7 @@
           <a:p>
             <a:fld id="{78C97017-6FC3-485B-9764-EAC9E56C1D49}" type="datetimeFigureOut">
               <a:rPr lang="en-US" smtClean="0"/>
-              <a:t>10/16/2016</a:t>
+              <a:t>9/18/18</a:t>
             </a:fld>
             <a:endParaRPr lang="en-US"/>
           </a:p>
@@ -1264,10 +1271,9 @@
           </a:lstStyle>
           <a:p>
             <a:r>
-              <a:rPr lang="en-US" smtClean="0"/>
+              <a:rPr lang="en-US"/>
               <a:t>Click to edit Master title style</a:t>
             </a:r>
-            <a:endParaRPr lang="en-US"/>
           </a:p>
         </p:txBody>
       </p:sp>
@@ -1384,7 +1390,7 @@
           <a:p>
             <a:pPr lvl="0"/>
             <a:r>
-              <a:rPr lang="en-US" smtClean="0"/>
+              <a:rPr lang="en-US"/>
               <a:t>Click to edit Master text styles</a:t>
             </a:r>
           </a:p>
@@ -1407,7 +1413,7 @@
           <a:p>
             <a:fld id="{78C97017-6FC3-485B-9764-EAC9E56C1D49}" type="datetimeFigureOut">
               <a:rPr lang="en-US" smtClean="0"/>
-              <a:t>10/16/2016</a:t>
+              <a:t>9/18/18</a:t>
             </a:fld>
             <a:endParaRPr lang="en-US"/>
           </a:p>
@@ -1501,10 +1507,9 @@
           <a:lstStyle/>
           <a:p>
             <a:r>
-              <a:rPr lang="en-US" smtClean="0"/>
+              <a:rPr lang="en-US"/>
               <a:t>Click to edit Master title style</a:t>
             </a:r>
-            <a:endParaRPr lang="en-US"/>
           </a:p>
         </p:txBody>
       </p:sp>
@@ -1558,38 +1563,37 @@
           <a:p>
             <a:pPr lvl="0"/>
             <a:r>
-              <a:rPr lang="en-US" smtClean="0"/>
+              <a:rPr lang="en-US"/>
               <a:t>Click to edit Master text styles</a:t>
             </a:r>
           </a:p>
           <a:p>
             <a:pPr lvl="1"/>
             <a:r>
-              <a:rPr lang="en-US" smtClean="0"/>
+              <a:rPr lang="en-US"/>
               <a:t>Second level</a:t>
             </a:r>
           </a:p>
           <a:p>
             <a:pPr lvl="2"/>
             <a:r>
-              <a:rPr lang="en-US" smtClean="0"/>
+              <a:rPr lang="en-US"/>
               <a:t>Third level</a:t>
             </a:r>
           </a:p>
           <a:p>
             <a:pPr lvl="3"/>
             <a:r>
-              <a:rPr lang="en-US" smtClean="0"/>
+              <a:rPr lang="en-US"/>
               <a:t>Fourth level</a:t>
             </a:r>
           </a:p>
           <a:p>
             <a:pPr lvl="4"/>
             <a:r>
-              <a:rPr lang="en-US" smtClean="0"/>
+              <a:rPr lang="en-US"/>
               <a:t>Fifth level</a:t>
             </a:r>
-            <a:endParaRPr lang="en-US"/>
           </a:p>
         </p:txBody>
       </p:sp>
@@ -1643,38 +1647,37 @@
           <a:p>
             <a:pPr lvl="0"/>
             <a:r>
-              <a:rPr lang="en-US" smtClean="0"/>
+              <a:rPr lang="en-US"/>
               <a:t>Click to edit Master text styles</a:t>
             </a:r>
           </a:p>
           <a:p>
             <a:pPr lvl="1"/>
             <a:r>
-              <a:rPr lang="en-US" smtClean="0"/>
+              <a:rPr lang="en-US"/>
               <a:t>Second level</a:t>
             </a:r>
           </a:p>
           <a:p>
             <a:pPr lvl="2"/>
             <a:r>
-              <a:rPr lang="en-US" smtClean="0"/>
+              <a:rPr lang="en-US"/>
               <a:t>Third level</a:t>
             </a:r>
           </a:p>
           <a:p>
             <a:pPr lvl="3"/>
             <a:r>
-              <a:rPr lang="en-US" smtClean="0"/>
+              <a:rPr lang="en-US"/>
               <a:t>Fourth level</a:t>
             </a:r>
           </a:p>
           <a:p>
             <a:pPr lvl="4"/>
             <a:r>
-              <a:rPr lang="en-US" smtClean="0"/>
+              <a:rPr lang="en-US"/>
               <a:t>Fifth level</a:t>
             </a:r>
-            <a:endParaRPr lang="en-US"/>
           </a:p>
         </p:txBody>
       </p:sp>
@@ -1695,7 +1698,7 @@
           <a:p>
             <a:fld id="{78C97017-6FC3-485B-9764-EAC9E56C1D49}" type="datetimeFigureOut">
               <a:rPr lang="en-US" smtClean="0"/>
-              <a:t>10/16/2016</a:t>
+              <a:t>9/18/18</a:t>
             </a:fld>
             <a:endParaRPr lang="en-US"/>
           </a:p>
@@ -1793,10 +1796,9 @@
           </a:lstStyle>
           <a:p>
             <a:r>
-              <a:rPr lang="en-US" smtClean="0"/>
+              <a:rPr lang="en-US"/>
               <a:t>Click to edit Master title style</a:t>
             </a:r>
-            <a:endParaRPr lang="en-US"/>
           </a:p>
         </p:txBody>
       </p:sp>
@@ -1859,7 +1861,7 @@
           <a:p>
             <a:pPr lvl="0"/>
             <a:r>
-              <a:rPr lang="en-US" smtClean="0"/>
+              <a:rPr lang="en-US"/>
               <a:t>Click to edit Master text styles</a:t>
             </a:r>
           </a:p>
@@ -1915,38 +1917,37 @@
           <a:p>
             <a:pPr lvl="0"/>
             <a:r>
-              <a:rPr lang="en-US" smtClean="0"/>
+              <a:rPr lang="en-US"/>
               <a:t>Click to edit Master text styles</a:t>
             </a:r>
           </a:p>
           <a:p>
             <a:pPr lvl="1"/>
             <a:r>
-              <a:rPr lang="en-US" smtClean="0"/>
+              <a:rPr lang="en-US"/>
               <a:t>Second level</a:t>
             </a:r>
           </a:p>
           <a:p>
             <a:pPr lvl="2"/>
             <a:r>
-              <a:rPr lang="en-US" smtClean="0"/>
+              <a:rPr lang="en-US"/>
               <a:t>Third level</a:t>
             </a:r>
           </a:p>
           <a:p>
             <a:pPr lvl="3"/>
             <a:r>
-              <a:rPr lang="en-US" smtClean="0"/>
+              <a:rPr lang="en-US"/>
               <a:t>Fourth level</a:t>
             </a:r>
           </a:p>
           <a:p>
             <a:pPr lvl="4"/>
             <a:r>
-              <a:rPr lang="en-US" smtClean="0"/>
+              <a:rPr lang="en-US"/>
               <a:t>Fifth level</a:t>
             </a:r>
-            <a:endParaRPr lang="en-US"/>
           </a:p>
         </p:txBody>
       </p:sp>
@@ -2009,7 +2010,7 @@
           <a:p>
             <a:pPr lvl="0"/>
             <a:r>
-              <a:rPr lang="en-US" smtClean="0"/>
+              <a:rPr lang="en-US"/>
               <a:t>Click to edit Master text styles</a:t>
             </a:r>
           </a:p>
@@ -2065,38 +2066,37 @@
           <a:p>
             <a:pPr lvl="0"/>
             <a:r>
-              <a:rPr lang="en-US" smtClean="0"/>
+              <a:rPr lang="en-US"/>
               <a:t>Click to edit Master text styles</a:t>
             </a:r>
           </a:p>
           <a:p>
             <a:pPr lvl="1"/>
             <a:r>
-              <a:rPr lang="en-US" smtClean="0"/>
+              <a:rPr lang="en-US"/>
               <a:t>Second level</a:t>
             </a:r>
           </a:p>
           <a:p>
             <a:pPr lvl="2"/>
             <a:r>
-              <a:rPr lang="en-US" smtClean="0"/>
+              <a:rPr lang="en-US"/>
               <a:t>Third level</a:t>
             </a:r>
           </a:p>
           <a:p>
             <a:pPr lvl="3"/>
             <a:r>
-              <a:rPr lang="en-US" smtClean="0"/>
+              <a:rPr lang="en-US"/>
               <a:t>Fourth level</a:t>
             </a:r>
           </a:p>
           <a:p>
             <a:pPr lvl="4"/>
             <a:r>
-              <a:rPr lang="en-US" smtClean="0"/>
+              <a:rPr lang="en-US"/>
               <a:t>Fifth level</a:t>
             </a:r>
-            <a:endParaRPr lang="en-US"/>
           </a:p>
         </p:txBody>
       </p:sp>
@@ -2117,7 +2117,7 @@
           <a:p>
             <a:fld id="{78C97017-6FC3-485B-9764-EAC9E56C1D49}" type="datetimeFigureOut">
               <a:rPr lang="en-US" smtClean="0"/>
-              <a:t>10/16/2016</a:t>
+              <a:t>9/18/18</a:t>
             </a:fld>
             <a:endParaRPr lang="en-US"/>
           </a:p>
@@ -2211,10 +2211,9 @@
           <a:lstStyle/>
           <a:p>
             <a:r>
-              <a:rPr lang="en-US" smtClean="0"/>
+              <a:rPr lang="en-US"/>
               <a:t>Click to edit Master title style</a:t>
             </a:r>
-            <a:endParaRPr lang="en-US"/>
           </a:p>
         </p:txBody>
       </p:sp>
@@ -2235,7 +2234,7 @@
           <a:p>
             <a:fld id="{78C97017-6FC3-485B-9764-EAC9E56C1D49}" type="datetimeFigureOut">
               <a:rPr lang="en-US" smtClean="0"/>
-              <a:t>10/16/2016</a:t>
+              <a:t>9/18/18</a:t>
             </a:fld>
             <a:endParaRPr lang="en-US"/>
           </a:p>
@@ -2330,7 +2329,7 @@
           <a:p>
             <a:fld id="{78C97017-6FC3-485B-9764-EAC9E56C1D49}" type="datetimeFigureOut">
               <a:rPr lang="en-US" smtClean="0"/>
-              <a:t>10/16/2016</a:t>
+              <a:t>9/18/18</a:t>
             </a:fld>
             <a:endParaRPr lang="en-US"/>
           </a:p>
@@ -2433,10 +2432,9 @@
           </a:lstStyle>
           <a:p>
             <a:r>
-              <a:rPr lang="en-US" smtClean="0"/>
+              <a:rPr lang="en-US"/>
               <a:t>Click to edit Master title style</a:t>
             </a:r>
-            <a:endParaRPr lang="en-US"/>
           </a:p>
         </p:txBody>
       </p:sp>
@@ -2490,38 +2488,37 @@
           <a:p>
             <a:pPr lvl="0"/>
             <a:r>
-              <a:rPr lang="en-US" smtClean="0"/>
+              <a:rPr lang="en-US"/>
               <a:t>Click to edit Master text styles</a:t>
             </a:r>
           </a:p>
           <a:p>
             <a:pPr lvl="1"/>
             <a:r>
-              <a:rPr lang="en-US" smtClean="0"/>
+              <a:rPr lang="en-US"/>
               <a:t>Second level</a:t>
             </a:r>
           </a:p>
           <a:p>
             <a:pPr lvl="2"/>
             <a:r>
-              <a:rPr lang="en-US" smtClean="0"/>
+              <a:rPr lang="en-US"/>
               <a:t>Third level</a:t>
             </a:r>
           </a:p>
           <a:p>
             <a:pPr lvl="3"/>
             <a:r>
-              <a:rPr lang="en-US" smtClean="0"/>
+              <a:rPr lang="en-US"/>
               <a:t>Fourth level</a:t>
             </a:r>
           </a:p>
           <a:p>
             <a:pPr lvl="4"/>
             <a:r>
-              <a:rPr lang="en-US" smtClean="0"/>
+              <a:rPr lang="en-US"/>
               <a:t>Fifth level</a:t>
             </a:r>
-            <a:endParaRPr lang="en-US"/>
           </a:p>
         </p:txBody>
       </p:sp>
@@ -2584,7 +2581,7 @@
           <a:p>
             <a:pPr lvl="0"/>
             <a:r>
-              <a:rPr lang="en-US" smtClean="0"/>
+              <a:rPr lang="en-US"/>
               <a:t>Click to edit Master text styles</a:t>
             </a:r>
           </a:p>
@@ -2607,7 +2604,7 @@
           <a:p>
             <a:fld id="{78C97017-6FC3-485B-9764-EAC9E56C1D49}" type="datetimeFigureOut">
               <a:rPr lang="en-US" smtClean="0"/>
-              <a:t>10/16/2016</a:t>
+              <a:t>9/18/18</a:t>
             </a:fld>
             <a:endParaRPr lang="en-US"/>
           </a:p>
@@ -2710,10 +2707,9 @@
           </a:lstStyle>
           <a:p>
             <a:r>
-              <a:rPr lang="en-US" smtClean="0"/>
+              <a:rPr lang="en-US"/>
               <a:t>Click to edit Master title style</a:t>
             </a:r>
-            <a:endParaRPr lang="en-US"/>
           </a:p>
         </p:txBody>
       </p:sp>
@@ -2837,7 +2833,7 @@
           <a:p>
             <a:pPr lvl="0"/>
             <a:r>
-              <a:rPr lang="en-US" smtClean="0"/>
+              <a:rPr lang="en-US"/>
               <a:t>Click to edit Master text styles</a:t>
             </a:r>
           </a:p>
@@ -2860,7 +2856,7 @@
           <a:p>
             <a:fld id="{78C97017-6FC3-485B-9764-EAC9E56C1D49}" type="datetimeFigureOut">
               <a:rPr lang="en-US" smtClean="0"/>
-              <a:t>10/16/2016</a:t>
+              <a:t>9/18/18</a:t>
             </a:fld>
             <a:endParaRPr lang="en-US"/>
           </a:p>
@@ -2969,10 +2965,9 @@
           <a:lstStyle/>
           <a:p>
             <a:r>
-              <a:rPr lang="en-US" smtClean="0"/>
+              <a:rPr lang="en-US"/>
               <a:t>Click to edit Master title style</a:t>
             </a:r>
-            <a:endParaRPr lang="en-US"/>
           </a:p>
         </p:txBody>
       </p:sp>
@@ -3003,38 +2998,37 @@
           <a:p>
             <a:pPr lvl="0"/>
             <a:r>
-              <a:rPr lang="en-US" smtClean="0"/>
+              <a:rPr lang="en-US"/>
               <a:t>Click to edit Master text styles</a:t>
             </a:r>
           </a:p>
           <a:p>
             <a:pPr lvl="1"/>
             <a:r>
-              <a:rPr lang="en-US" smtClean="0"/>
+              <a:rPr lang="en-US"/>
               <a:t>Second level</a:t>
             </a:r>
           </a:p>
           <a:p>
             <a:pPr lvl="2"/>
             <a:r>
-              <a:rPr lang="en-US" smtClean="0"/>
+              <a:rPr lang="en-US"/>
               <a:t>Third level</a:t>
             </a:r>
           </a:p>
           <a:p>
             <a:pPr lvl="3"/>
             <a:r>
-              <a:rPr lang="en-US" smtClean="0"/>
+              <a:rPr lang="en-US"/>
               <a:t>Fourth level</a:t>
             </a:r>
           </a:p>
           <a:p>
             <a:pPr lvl="4"/>
             <a:r>
-              <a:rPr lang="en-US" smtClean="0"/>
+              <a:rPr lang="en-US"/>
               <a:t>Fifth level</a:t>
             </a:r>
-            <a:endParaRPr lang="en-US"/>
           </a:p>
         </p:txBody>
       </p:sp>
@@ -3073,7 +3067,7 @@
           <a:p>
             <a:fld id="{78C97017-6FC3-485B-9764-EAC9E56C1D49}" type="datetimeFigureOut">
               <a:rPr lang="en-US" smtClean="0"/>
-              <a:t>10/16/2016</a:t>
+              <a:t>9/18/18</a:t>
             </a:fld>
             <a:endParaRPr lang="en-US"/>
           </a:p>
@@ -3457,7 +3451,7 @@
         <p:spPr>
           <a:xfrm>
             <a:off x="1119865" y="2086382"/>
-            <a:ext cx="7871735" cy="1723618"/>
+            <a:ext cx="7871735" cy="2409418"/>
           </a:xfrm>
           <a:prstGeom prst="roundRect">
             <a:avLst>
@@ -3494,7 +3488,7 @@
           <a:lstStyle/>
           <a:p>
             <a:r>
-              <a:rPr lang="en-US" sz="1200" b="1" dirty="0" smtClean="0">
+              <a:rPr lang="en-US" sz="1200" b="1" dirty="0">
                 <a:solidFill>
                   <a:schemeClr val="accent6">
                     <a:lumMod val="75000"/>
@@ -3561,7 +3555,7 @@
           <a:p>
             <a:pPr algn="ctr"/>
             <a:r>
-              <a:rPr lang="en-US" sz="1050" dirty="0" smtClean="0">
+              <a:rPr lang="en-US" sz="1050" dirty="0">
                 <a:solidFill>
                   <a:schemeClr val="bg1"/>
                 </a:solidFill>
@@ -3569,14 +3563,14 @@
               <a:t>&lt;&lt;interface&gt;&gt;</a:t>
             </a:r>
             <a:br>
-              <a:rPr lang="en-US" sz="1050" dirty="0" smtClean="0">
+              <a:rPr lang="en-US" sz="1050" dirty="0">
                 <a:solidFill>
                   <a:schemeClr val="bg1"/>
                 </a:solidFill>
               </a:rPr>
             </a:br>
             <a:r>
-              <a:rPr lang="en-US" sz="1050" dirty="0" err="1" smtClean="0">
+              <a:rPr lang="en-US" sz="1050" dirty="0" err="1">
                 <a:solidFill>
                   <a:schemeClr val="bg1"/>
                 </a:solidFill>
@@ -3639,7 +3633,7 @@
           <a:p>
             <a:pPr algn="ctr"/>
             <a:r>
-              <a:rPr lang="en-US" sz="1050" dirty="0" err="1" smtClean="0">
+              <a:rPr lang="en-US" sz="1050" dirty="0" err="1">
                 <a:solidFill>
                   <a:schemeClr val="bg1"/>
                 </a:solidFill>
@@ -3713,7 +3707,7 @@
           <a:p>
             <a:pPr algn="ctr"/>
             <a:r>
-              <a:rPr lang="en-US" sz="1050" dirty="0" smtClean="0">
+              <a:rPr lang="en-US" sz="1050" dirty="0">
                 <a:solidFill>
                   <a:schemeClr val="bg1"/>
                 </a:solidFill>
@@ -4147,7 +4141,7 @@
           <a:p>
             <a:pPr algn="ctr"/>
             <a:r>
-              <a:rPr lang="en-US" sz="1050" b="1" dirty="0" err="1" smtClean="0">
+              <a:rPr lang="en-US" sz="1050" b="1" dirty="0" err="1">
                 <a:solidFill>
                   <a:schemeClr val="accent6">
                     <a:lumMod val="75000"/>
@@ -4156,18 +4150,8 @@
               </a:rPr>
               <a:t>XmlAddressBook</a:t>
             </a:r>
-            <a:r>
-              <a:rPr lang="en-US" sz="1050" b="1" dirty="0" smtClean="0">
-                <a:solidFill>
-                  <a:schemeClr val="accent6">
-                    <a:lumMod val="75000"/>
-                  </a:schemeClr>
-                </a:solidFill>
-              </a:rPr>
-              <a:t/>
-            </a:r>
             <a:br>
-              <a:rPr lang="en-US" sz="1050" b="1" dirty="0" smtClean="0">
+              <a:rPr lang="en-US" sz="1050" b="1" dirty="0">
                 <a:solidFill>
                   <a:schemeClr val="accent6">
                     <a:lumMod val="75000"/>
@@ -4176,7 +4160,7 @@
               </a:rPr>
             </a:br>
             <a:r>
-              <a:rPr lang="en-US" sz="1050" b="1" dirty="0" smtClean="0">
+              <a:rPr lang="en-US" sz="1050" b="1" dirty="0">
                 <a:solidFill>
                   <a:schemeClr val="accent6">
                     <a:lumMod val="75000"/>
@@ -4243,7 +4227,7 @@
           <a:p>
             <a:pPr algn="ctr"/>
             <a:r>
-              <a:rPr lang="en-US" sz="1050" dirty="0" smtClean="0">
+              <a:rPr lang="en-US" sz="1050" dirty="0">
                 <a:solidFill>
                   <a:schemeClr val="bg1"/>
                 </a:solidFill>
@@ -4251,14 +4235,14 @@
               <a:t>&lt;&lt;interface&gt;&gt;</a:t>
             </a:r>
             <a:br>
-              <a:rPr lang="en-US" sz="1050" dirty="0" smtClean="0">
+              <a:rPr lang="en-US" sz="1050" dirty="0">
                 <a:solidFill>
                   <a:schemeClr val="bg1"/>
                 </a:solidFill>
               </a:rPr>
             </a:br>
             <a:r>
-              <a:rPr lang="en-US" sz="1050" dirty="0" err="1" smtClean="0">
+              <a:rPr lang="en-US" sz="1050" dirty="0" err="1">
                 <a:solidFill>
                   <a:schemeClr val="bg1"/>
                 </a:solidFill>
@@ -4516,30 +4500,22 @@
           <a:p>
             <a:pPr algn="ctr"/>
             <a:r>
-              <a:rPr lang="en-US" sz="1050" dirty="0" err="1" smtClean="0">
+              <a:rPr lang="en-US" sz="1050" dirty="0" err="1">
                 <a:solidFill>
                   <a:schemeClr val="bg1"/>
                 </a:solidFill>
               </a:rPr>
               <a:t>JsonUserPrefs</a:t>
             </a:r>
-            <a:r>
-              <a:rPr lang="en-US" sz="1050" dirty="0" smtClean="0">
-                <a:solidFill>
-                  <a:schemeClr val="bg1"/>
-                </a:solidFill>
-              </a:rPr>
-              <a:t/>
-            </a:r>
             <a:br>
-              <a:rPr lang="en-US" sz="1050" dirty="0" smtClean="0">
+              <a:rPr lang="en-US" sz="1050" dirty="0">
                 <a:solidFill>
                   <a:schemeClr val="bg1"/>
                 </a:solidFill>
               </a:rPr>
             </a:br>
             <a:r>
-              <a:rPr lang="en-US" sz="1050" dirty="0" smtClean="0">
+              <a:rPr lang="en-US" sz="1050" dirty="0">
                 <a:solidFill>
                   <a:schemeClr val="bg1"/>
                 </a:solidFill>
@@ -4591,7 +4567,7 @@
           <a:p>
             <a:pPr algn="ctr"/>
             <a:r>
-              <a:rPr lang="en-US" sz="1050" b="1" dirty="0" err="1" smtClean="0">
+              <a:rPr lang="en-US" sz="1050" b="1" dirty="0" err="1">
                 <a:solidFill>
                   <a:schemeClr val="accent6">
                     <a:lumMod val="75000"/>
@@ -4600,18 +4576,8 @@
               </a:rPr>
               <a:t>XmlSerializable</a:t>
             </a:r>
-            <a:r>
-              <a:rPr lang="en-US" sz="1050" b="1" dirty="0" smtClean="0">
-                <a:solidFill>
-                  <a:schemeClr val="accent6">
-                    <a:lumMod val="75000"/>
-                  </a:schemeClr>
-                </a:solidFill>
-              </a:rPr>
-              <a:t/>
-            </a:r>
             <a:br>
-              <a:rPr lang="en-US" sz="1050" b="1" dirty="0" smtClean="0">
+              <a:rPr lang="en-US" sz="1050" b="1" dirty="0">
                 <a:solidFill>
                   <a:schemeClr val="accent6">
                     <a:lumMod val="75000"/>
@@ -4620,7 +4586,7 @@
               </a:rPr>
             </a:br>
             <a:r>
-              <a:rPr lang="en-US" sz="1050" b="1" dirty="0" err="1" smtClean="0">
+              <a:rPr lang="en-US" sz="1050" b="1" dirty="0" err="1">
                 <a:solidFill>
                   <a:schemeClr val="accent6">
                     <a:lumMod val="75000"/>
@@ -4717,7 +4683,7 @@
           <a:p>
             <a:pPr algn="ctr"/>
             <a:r>
-              <a:rPr lang="en-US" sz="1050" b="1" dirty="0" err="1" smtClean="0">
+              <a:rPr lang="en-US" sz="1050" b="1" dirty="0" err="1">
                 <a:solidFill>
                   <a:schemeClr val="accent6">
                     <a:lumMod val="75000"/>
@@ -4773,7 +4739,7 @@
           <a:p>
             <a:pPr algn="ctr"/>
             <a:r>
-              <a:rPr lang="en-US" sz="1050" b="1" dirty="0" err="1" smtClean="0">
+              <a:rPr lang="en-US" sz="1050" b="1" dirty="0" err="1">
                 <a:solidFill>
                   <a:schemeClr val="accent6">
                     <a:lumMod val="75000"/>
@@ -4833,6 +4799,200 @@
           </a:fontRef>
         </p:style>
       </p:cxnSp>
+      <p:sp>
+        <p:nvSpPr>
+          <p:cNvPr id="26" name="Isosceles Triangle 102">
+            <a:extLst>
+              <a:ext uri="{FF2B5EF4-FFF2-40B4-BE49-F238E27FC236}">
+                <a16:creationId xmlns:a16="http://schemas.microsoft.com/office/drawing/2014/main" id="{34DA002A-2E7A-F145-BF3C-36F133BD0570}"/>
+              </a:ext>
+            </a:extLst>
+          </p:cNvPr>
+          <p:cNvSpPr/>
+          <p:nvPr/>
+        </p:nvSpPr>
+        <p:spPr>
+          <a:xfrm rot="10800000" flipV="1">
+            <a:off x="3412708" y="3527216"/>
+            <a:ext cx="270504" cy="159252"/>
+          </a:xfrm>
+          <a:prstGeom prst="triangle">
+            <a:avLst/>
+          </a:prstGeom>
+          <a:solidFill>
+            <a:schemeClr val="accent6">
+              <a:lumMod val="75000"/>
+            </a:schemeClr>
+          </a:solidFill>
+          <a:ln w="19050">
+            <a:solidFill>
+              <a:schemeClr val="accent6">
+                <a:lumMod val="75000"/>
+              </a:schemeClr>
+            </a:solidFill>
+          </a:ln>
+          <a:effectLst/>
+        </p:spPr>
+        <p:style>
+          <a:lnRef idx="1">
+            <a:schemeClr val="accent2"/>
+          </a:lnRef>
+          <a:fillRef idx="2">
+            <a:schemeClr val="accent2"/>
+          </a:fillRef>
+          <a:effectRef idx="1">
+            <a:schemeClr val="accent2"/>
+          </a:effectRef>
+          <a:fontRef idx="minor">
+            <a:schemeClr val="dk1"/>
+          </a:fontRef>
+        </p:style>
+        <p:txBody>
+          <a:bodyPr rtlCol="0" anchor="ctr"/>
+          <a:lstStyle/>
+          <a:p>
+            <a:pPr algn="ctr"/>
+            <a:endParaRPr lang="en-SG" sz="1050">
+              <a:solidFill>
+                <a:schemeClr val="bg1"/>
+              </a:solidFill>
+            </a:endParaRPr>
+          </a:p>
+        </p:txBody>
+      </p:sp>
+      <p:cxnSp>
+        <p:nvCxnSpPr>
+          <p:cNvPr id="27" name="Elbow Connector 63">
+            <a:extLst>
+              <a:ext uri="{FF2B5EF4-FFF2-40B4-BE49-F238E27FC236}">
+                <a16:creationId xmlns:a16="http://schemas.microsoft.com/office/drawing/2014/main" id="{CE626D0F-AE1F-4B4E-A16C-BA317D15F1BA}"/>
+              </a:ext>
+            </a:extLst>
+          </p:cNvPr>
+          <p:cNvCxnSpPr>
+            <a:cxnSpLocks/>
+            <a:endCxn id="26" idx="3"/>
+          </p:cNvCxnSpPr>
+          <p:nvPr/>
+        </p:nvCxnSpPr>
+        <p:spPr>
+          <a:xfrm rot="16200000" flipV="1">
+            <a:off x="3486210" y="3748218"/>
+            <a:ext cx="123502" cy="1"/>
+          </a:xfrm>
+          <a:prstGeom prst="bentConnector3">
+            <a:avLst>
+              <a:gd name="adj1" fmla="val 50000"/>
+            </a:avLst>
+          </a:prstGeom>
+          <a:ln w="19050">
+            <a:solidFill>
+              <a:schemeClr val="accent6">
+                <a:lumMod val="75000"/>
+              </a:schemeClr>
+            </a:solidFill>
+            <a:prstDash val="sysDot"/>
+            <a:headEnd type="none" w="med" len="med"/>
+            <a:tailEnd type="none" w="med" len="med"/>
+          </a:ln>
+          <a:effectLst/>
+        </p:spPr>
+        <p:style>
+          <a:lnRef idx="1">
+            <a:schemeClr val="accent2"/>
+          </a:lnRef>
+          <a:fillRef idx="2">
+            <a:schemeClr val="accent2"/>
+          </a:fillRef>
+          <a:effectRef idx="1">
+            <a:schemeClr val="accent2"/>
+          </a:effectRef>
+          <a:fontRef idx="minor">
+            <a:schemeClr val="dk1"/>
+          </a:fontRef>
+        </p:style>
+      </p:cxnSp>
+      <p:sp>
+        <p:nvSpPr>
+          <p:cNvPr id="31" name="Rectangle 8">
+            <a:extLst>
+              <a:ext uri="{FF2B5EF4-FFF2-40B4-BE49-F238E27FC236}">
+                <a16:creationId xmlns:a16="http://schemas.microsoft.com/office/drawing/2014/main" id="{F832990A-E108-4B4D-8B9A-D133CC2DD4EC}"/>
+              </a:ext>
+            </a:extLst>
+          </p:cNvPr>
+          <p:cNvSpPr/>
+          <p:nvPr/>
+        </p:nvSpPr>
+        <p:spPr>
+          <a:xfrm>
+            <a:off x="2963041" y="3787707"/>
+            <a:ext cx="1169835" cy="346760"/>
+          </a:xfrm>
+          <a:prstGeom prst="rect">
+            <a:avLst/>
+          </a:prstGeom>
+          <a:ln w="19050"/>
+          <a:effectLst/>
+        </p:spPr>
+        <p:style>
+          <a:lnRef idx="1">
+            <a:schemeClr val="accent6"/>
+          </a:lnRef>
+          <a:fillRef idx="2">
+            <a:schemeClr val="accent6"/>
+          </a:fillRef>
+          <a:effectRef idx="1">
+            <a:schemeClr val="accent6"/>
+          </a:effectRef>
+          <a:fontRef idx="minor">
+            <a:schemeClr val="dk1"/>
+          </a:fontRef>
+        </p:style>
+        <p:txBody>
+          <a:bodyPr rtlCol="0" anchor="ctr"/>
+          <a:lstStyle/>
+          <a:p>
+            <a:pPr algn="ctr"/>
+            <a:r>
+              <a:rPr lang="en-US" sz="1050" b="1" dirty="0" err="1">
+                <a:solidFill>
+                  <a:schemeClr val="accent6">
+                    <a:lumMod val="75000"/>
+                  </a:schemeClr>
+                </a:solidFill>
+              </a:rPr>
+              <a:t>XmlSelf</a:t>
+            </a:r>
+            <a:br>
+              <a:rPr lang="en-US" sz="1050" b="1" dirty="0">
+                <a:solidFill>
+                  <a:schemeClr val="accent6">
+                    <a:lumMod val="75000"/>
+                  </a:schemeClr>
+                </a:solidFill>
+              </a:rPr>
+            </a:br>
+            <a:r>
+              <a:rPr lang="en-US" sz="1050" b="1" dirty="0">
+                <a:solidFill>
+                  <a:schemeClr val="accent6">
+                    <a:lumMod val="75000"/>
+                  </a:schemeClr>
+                </a:solidFill>
+              </a:rPr>
+              <a:t>Storage</a:t>
+            </a:r>
+            <a:endParaRPr lang="en-SG" sz="1050" b="1" dirty="0">
+              <a:solidFill>
+                <a:schemeClr val="accent6">
+                  <a:lumMod val="75000"/>
+                </a:schemeClr>
+              </a:solidFill>
+            </a:endParaRPr>
+          </a:p>
+        </p:txBody>
+      </p:sp>
     </p:spTree>
     <p:extLst>
       <p:ext uri="{BB962C8B-B14F-4D97-AF65-F5344CB8AC3E}">
@@ -4843,13 +5003,6 @@
   <p:clrMapOvr>
     <a:masterClrMapping/>
   </p:clrMapOvr>
-  <p:timing>
-    <p:tnLst>
-      <p:par>
-        <p:cTn id="1" dur="indefinite" restart="never" nodeType="tmRoot"/>
-      </p:par>
-    </p:tnLst>
-  </p:timing>
 </p:sld>
 </file>
 

--- a/docs/diagrams/StorageComponentClassDiagram.pptx
+++ b/docs/diagrams/StorageComponentClassDiagram.pptx
@@ -107,6 +107,22 @@
       </a:defRPr>
     </a:lvl9pPr>
   </p:defaultTextStyle>
+  <p:extLst>
+    <p:ext uri="{EFAFB233-063F-42B5-8137-9DF3F51BA10A}">
+      <p15:sldGuideLst xmlns:p15="http://schemas.microsoft.com/office/powerpoint/2012/main">
+        <p15:guide id="1" orient="horz" pos="1488">
+          <p15:clr>
+            <a:srgbClr val="A4A3A4"/>
+          </p15:clr>
+        </p15:guide>
+        <p15:guide id="2" pos="2880">
+          <p15:clr>
+            <a:srgbClr val="A4A3A4"/>
+          </p15:clr>
+        </p15:guide>
+      </p15:sldGuideLst>
+    </p:ext>
+  </p:extLst>
 </p:presentation>
 </file>
 
@@ -192,7 +208,7 @@
           <a:p>
             <a:fld id="{F5CC4B3F-88C1-4FFA-B1B6-F41C21DC6924}" type="datetimeFigureOut">
               <a:rPr lang="en-US" smtClean="0"/>
-              <a:t>10/16/2016</a:t>
+              <a:t>11/12/18</a:t>
             </a:fld>
             <a:endParaRPr lang="en-US"/>
           </a:p>
@@ -256,38 +272,37 @@
           <a:p>
             <a:pPr lvl="0"/>
             <a:r>
-              <a:rPr lang="en-US" smtClean="0"/>
+              <a:rPr lang="en-US"/>
               <a:t>Click to edit Master text styles</a:t>
             </a:r>
           </a:p>
           <a:p>
             <a:pPr lvl="1"/>
             <a:r>
-              <a:rPr lang="en-US" smtClean="0"/>
+              <a:rPr lang="en-US"/>
               <a:t>Second level</a:t>
             </a:r>
           </a:p>
           <a:p>
             <a:pPr lvl="2"/>
             <a:r>
-              <a:rPr lang="en-US" smtClean="0"/>
+              <a:rPr lang="en-US"/>
               <a:t>Third level</a:t>
             </a:r>
           </a:p>
           <a:p>
             <a:pPr lvl="3"/>
             <a:r>
-              <a:rPr lang="en-US" smtClean="0"/>
+              <a:rPr lang="en-US"/>
               <a:t>Fourth level</a:t>
             </a:r>
           </a:p>
           <a:p>
             <a:pPr lvl="4"/>
             <a:r>
-              <a:rPr lang="en-US" smtClean="0"/>
+              <a:rPr lang="en-US"/>
               <a:t>Fifth level</a:t>
             </a:r>
-            <a:endParaRPr lang="en-US"/>
           </a:p>
         </p:txBody>
       </p:sp>
@@ -498,10 +513,9 @@
           <a:lstStyle/>
           <a:p>
             <a:r>
-              <a:rPr lang="en-US" smtClean="0"/>
+              <a:rPr lang="en-US"/>
               <a:t>Click to edit Master title style</a:t>
             </a:r>
-            <a:endParaRPr lang="en-US"/>
           </a:p>
         </p:txBody>
       </p:sp>
@@ -617,10 +631,9 @@
           </a:lstStyle>
           <a:p>
             <a:r>
-              <a:rPr lang="en-US" smtClean="0"/>
+              <a:rPr lang="en-US"/>
               <a:t>Click to edit Master subtitle style</a:t>
             </a:r>
-            <a:endParaRPr lang="en-US"/>
           </a:p>
         </p:txBody>
       </p:sp>
@@ -641,7 +654,7 @@
           <a:p>
             <a:fld id="{78C97017-6FC3-485B-9764-EAC9E56C1D49}" type="datetimeFigureOut">
               <a:rPr lang="en-US" smtClean="0"/>
-              <a:t>10/16/2016</a:t>
+              <a:t>11/12/18</a:t>
             </a:fld>
             <a:endParaRPr lang="en-US"/>
           </a:p>
@@ -735,10 +748,9 @@
           <a:lstStyle/>
           <a:p>
             <a:r>
-              <a:rPr lang="en-US" smtClean="0"/>
+              <a:rPr lang="en-US"/>
               <a:t>Click to edit Master title style</a:t>
             </a:r>
-            <a:endParaRPr lang="en-US"/>
           </a:p>
         </p:txBody>
       </p:sp>
@@ -759,38 +771,37 @@
           <a:p>
             <a:pPr lvl="0"/>
             <a:r>
-              <a:rPr lang="en-US" smtClean="0"/>
+              <a:rPr lang="en-US"/>
               <a:t>Click to edit Master text styles</a:t>
             </a:r>
           </a:p>
           <a:p>
             <a:pPr lvl="1"/>
             <a:r>
-              <a:rPr lang="en-US" smtClean="0"/>
+              <a:rPr lang="en-US"/>
               <a:t>Second level</a:t>
             </a:r>
           </a:p>
           <a:p>
             <a:pPr lvl="2"/>
             <a:r>
-              <a:rPr lang="en-US" smtClean="0"/>
+              <a:rPr lang="en-US"/>
               <a:t>Third level</a:t>
             </a:r>
           </a:p>
           <a:p>
             <a:pPr lvl="3"/>
             <a:r>
-              <a:rPr lang="en-US" smtClean="0"/>
+              <a:rPr lang="en-US"/>
               <a:t>Fourth level</a:t>
             </a:r>
           </a:p>
           <a:p>
             <a:pPr lvl="4"/>
             <a:r>
-              <a:rPr lang="en-US" smtClean="0"/>
+              <a:rPr lang="en-US"/>
               <a:t>Fifth level</a:t>
             </a:r>
-            <a:endParaRPr lang="en-US"/>
           </a:p>
         </p:txBody>
       </p:sp>
@@ -811,7 +822,7 @@
           <a:p>
             <a:fld id="{78C97017-6FC3-485B-9764-EAC9E56C1D49}" type="datetimeFigureOut">
               <a:rPr lang="en-US" smtClean="0"/>
-              <a:t>10/16/2016</a:t>
+              <a:t>11/12/18</a:t>
             </a:fld>
             <a:endParaRPr lang="en-US"/>
           </a:p>
@@ -910,10 +921,9 @@
           <a:lstStyle/>
           <a:p>
             <a:r>
-              <a:rPr lang="en-US" smtClean="0"/>
+              <a:rPr lang="en-US"/>
               <a:t>Click to edit Master title style</a:t>
             </a:r>
-            <a:endParaRPr lang="en-US"/>
           </a:p>
         </p:txBody>
       </p:sp>
@@ -939,38 +949,37 @@
           <a:p>
             <a:pPr lvl="0"/>
             <a:r>
-              <a:rPr lang="en-US" smtClean="0"/>
+              <a:rPr lang="en-US"/>
               <a:t>Click to edit Master text styles</a:t>
             </a:r>
           </a:p>
           <a:p>
             <a:pPr lvl="1"/>
             <a:r>
-              <a:rPr lang="en-US" smtClean="0"/>
+              <a:rPr lang="en-US"/>
               <a:t>Second level</a:t>
             </a:r>
           </a:p>
           <a:p>
             <a:pPr lvl="2"/>
             <a:r>
-              <a:rPr lang="en-US" smtClean="0"/>
+              <a:rPr lang="en-US"/>
               <a:t>Third level</a:t>
             </a:r>
           </a:p>
           <a:p>
             <a:pPr lvl="3"/>
             <a:r>
-              <a:rPr lang="en-US" smtClean="0"/>
+              <a:rPr lang="en-US"/>
               <a:t>Fourth level</a:t>
             </a:r>
           </a:p>
           <a:p>
             <a:pPr lvl="4"/>
             <a:r>
-              <a:rPr lang="en-US" smtClean="0"/>
+              <a:rPr lang="en-US"/>
               <a:t>Fifth level</a:t>
             </a:r>
-            <a:endParaRPr lang="en-US"/>
           </a:p>
         </p:txBody>
       </p:sp>
@@ -991,7 +1000,7 @@
           <a:p>
             <a:fld id="{78C97017-6FC3-485B-9764-EAC9E56C1D49}" type="datetimeFigureOut">
               <a:rPr lang="en-US" smtClean="0"/>
-              <a:t>10/16/2016</a:t>
+              <a:t>11/12/18</a:t>
             </a:fld>
             <a:endParaRPr lang="en-US"/>
           </a:p>
@@ -1085,10 +1094,9 @@
           <a:lstStyle/>
           <a:p>
             <a:r>
-              <a:rPr lang="en-US" smtClean="0"/>
+              <a:rPr lang="en-US"/>
               <a:t>Click to edit Master title style</a:t>
             </a:r>
-            <a:endParaRPr lang="en-US"/>
           </a:p>
         </p:txBody>
       </p:sp>
@@ -1109,38 +1117,37 @@
           <a:p>
             <a:pPr lvl="0"/>
             <a:r>
-              <a:rPr lang="en-US" smtClean="0"/>
+              <a:rPr lang="en-US"/>
               <a:t>Click to edit Master text styles</a:t>
             </a:r>
           </a:p>
           <a:p>
             <a:pPr lvl="1"/>
             <a:r>
-              <a:rPr lang="en-US" smtClean="0"/>
+              <a:rPr lang="en-US"/>
               <a:t>Second level</a:t>
             </a:r>
           </a:p>
           <a:p>
             <a:pPr lvl="2"/>
             <a:r>
-              <a:rPr lang="en-US" smtClean="0"/>
+              <a:rPr lang="en-US"/>
               <a:t>Third level</a:t>
             </a:r>
           </a:p>
           <a:p>
             <a:pPr lvl="3"/>
             <a:r>
-              <a:rPr lang="en-US" smtClean="0"/>
+              <a:rPr lang="en-US"/>
               <a:t>Fourth level</a:t>
             </a:r>
           </a:p>
           <a:p>
             <a:pPr lvl="4"/>
             <a:r>
-              <a:rPr lang="en-US" smtClean="0"/>
+              <a:rPr lang="en-US"/>
               <a:t>Fifth level</a:t>
             </a:r>
-            <a:endParaRPr lang="en-US"/>
           </a:p>
         </p:txBody>
       </p:sp>
@@ -1161,7 +1168,7 @@
           <a:p>
             <a:fld id="{78C97017-6FC3-485B-9764-EAC9E56C1D49}" type="datetimeFigureOut">
               <a:rPr lang="en-US" smtClean="0"/>
-              <a:t>10/16/2016</a:t>
+              <a:t>11/12/18</a:t>
             </a:fld>
             <a:endParaRPr lang="en-US"/>
           </a:p>
@@ -1264,10 +1271,9 @@
           </a:lstStyle>
           <a:p>
             <a:r>
-              <a:rPr lang="en-US" smtClean="0"/>
+              <a:rPr lang="en-US"/>
               <a:t>Click to edit Master title style</a:t>
             </a:r>
-            <a:endParaRPr lang="en-US"/>
           </a:p>
         </p:txBody>
       </p:sp>
@@ -1384,7 +1390,7 @@
           <a:p>
             <a:pPr lvl="0"/>
             <a:r>
-              <a:rPr lang="en-US" smtClean="0"/>
+              <a:rPr lang="en-US"/>
               <a:t>Click to edit Master text styles</a:t>
             </a:r>
           </a:p>
@@ -1407,7 +1413,7 @@
           <a:p>
             <a:fld id="{78C97017-6FC3-485B-9764-EAC9E56C1D49}" type="datetimeFigureOut">
               <a:rPr lang="en-US" smtClean="0"/>
-              <a:t>10/16/2016</a:t>
+              <a:t>11/12/18</a:t>
             </a:fld>
             <a:endParaRPr lang="en-US"/>
           </a:p>
@@ -1501,10 +1507,9 @@
           <a:lstStyle/>
           <a:p>
             <a:r>
-              <a:rPr lang="en-US" smtClean="0"/>
+              <a:rPr lang="en-US"/>
               <a:t>Click to edit Master title style</a:t>
             </a:r>
-            <a:endParaRPr lang="en-US"/>
           </a:p>
         </p:txBody>
       </p:sp>
@@ -1558,38 +1563,37 @@
           <a:p>
             <a:pPr lvl="0"/>
             <a:r>
-              <a:rPr lang="en-US" smtClean="0"/>
+              <a:rPr lang="en-US"/>
               <a:t>Click to edit Master text styles</a:t>
             </a:r>
           </a:p>
           <a:p>
             <a:pPr lvl="1"/>
             <a:r>
-              <a:rPr lang="en-US" smtClean="0"/>
+              <a:rPr lang="en-US"/>
               <a:t>Second level</a:t>
             </a:r>
           </a:p>
           <a:p>
             <a:pPr lvl="2"/>
             <a:r>
-              <a:rPr lang="en-US" smtClean="0"/>
+              <a:rPr lang="en-US"/>
               <a:t>Third level</a:t>
             </a:r>
           </a:p>
           <a:p>
             <a:pPr lvl="3"/>
             <a:r>
-              <a:rPr lang="en-US" smtClean="0"/>
+              <a:rPr lang="en-US"/>
               <a:t>Fourth level</a:t>
             </a:r>
           </a:p>
           <a:p>
             <a:pPr lvl="4"/>
             <a:r>
-              <a:rPr lang="en-US" smtClean="0"/>
+              <a:rPr lang="en-US"/>
               <a:t>Fifth level</a:t>
             </a:r>
-            <a:endParaRPr lang="en-US"/>
           </a:p>
         </p:txBody>
       </p:sp>
@@ -1643,38 +1647,37 @@
           <a:p>
             <a:pPr lvl="0"/>
             <a:r>
-              <a:rPr lang="en-US" smtClean="0"/>
+              <a:rPr lang="en-US"/>
               <a:t>Click to edit Master text styles</a:t>
             </a:r>
           </a:p>
           <a:p>
             <a:pPr lvl="1"/>
             <a:r>
-              <a:rPr lang="en-US" smtClean="0"/>
+              <a:rPr lang="en-US"/>
               <a:t>Second level</a:t>
             </a:r>
           </a:p>
           <a:p>
             <a:pPr lvl="2"/>
             <a:r>
-              <a:rPr lang="en-US" smtClean="0"/>
+              <a:rPr lang="en-US"/>
               <a:t>Third level</a:t>
             </a:r>
           </a:p>
           <a:p>
             <a:pPr lvl="3"/>
             <a:r>
-              <a:rPr lang="en-US" smtClean="0"/>
+              <a:rPr lang="en-US"/>
               <a:t>Fourth level</a:t>
             </a:r>
           </a:p>
           <a:p>
             <a:pPr lvl="4"/>
             <a:r>
-              <a:rPr lang="en-US" smtClean="0"/>
+              <a:rPr lang="en-US"/>
               <a:t>Fifth level</a:t>
             </a:r>
-            <a:endParaRPr lang="en-US"/>
           </a:p>
         </p:txBody>
       </p:sp>
@@ -1695,7 +1698,7 @@
           <a:p>
             <a:fld id="{78C97017-6FC3-485B-9764-EAC9E56C1D49}" type="datetimeFigureOut">
               <a:rPr lang="en-US" smtClean="0"/>
-              <a:t>10/16/2016</a:t>
+              <a:t>11/12/18</a:t>
             </a:fld>
             <a:endParaRPr lang="en-US"/>
           </a:p>
@@ -1793,10 +1796,9 @@
           </a:lstStyle>
           <a:p>
             <a:r>
-              <a:rPr lang="en-US" smtClean="0"/>
+              <a:rPr lang="en-US"/>
               <a:t>Click to edit Master title style</a:t>
             </a:r>
-            <a:endParaRPr lang="en-US"/>
           </a:p>
         </p:txBody>
       </p:sp>
@@ -1859,7 +1861,7 @@
           <a:p>
             <a:pPr lvl="0"/>
             <a:r>
-              <a:rPr lang="en-US" smtClean="0"/>
+              <a:rPr lang="en-US"/>
               <a:t>Click to edit Master text styles</a:t>
             </a:r>
           </a:p>
@@ -1915,38 +1917,37 @@
           <a:p>
             <a:pPr lvl="0"/>
             <a:r>
-              <a:rPr lang="en-US" smtClean="0"/>
+              <a:rPr lang="en-US"/>
               <a:t>Click to edit Master text styles</a:t>
             </a:r>
           </a:p>
           <a:p>
             <a:pPr lvl="1"/>
             <a:r>
-              <a:rPr lang="en-US" smtClean="0"/>
+              <a:rPr lang="en-US"/>
               <a:t>Second level</a:t>
             </a:r>
           </a:p>
           <a:p>
             <a:pPr lvl="2"/>
             <a:r>
-              <a:rPr lang="en-US" smtClean="0"/>
+              <a:rPr lang="en-US"/>
               <a:t>Third level</a:t>
             </a:r>
           </a:p>
           <a:p>
             <a:pPr lvl="3"/>
             <a:r>
-              <a:rPr lang="en-US" smtClean="0"/>
+              <a:rPr lang="en-US"/>
               <a:t>Fourth level</a:t>
             </a:r>
           </a:p>
           <a:p>
             <a:pPr lvl="4"/>
             <a:r>
-              <a:rPr lang="en-US" smtClean="0"/>
+              <a:rPr lang="en-US"/>
               <a:t>Fifth level</a:t>
             </a:r>
-            <a:endParaRPr lang="en-US"/>
           </a:p>
         </p:txBody>
       </p:sp>
@@ -2009,7 +2010,7 @@
           <a:p>
             <a:pPr lvl="0"/>
             <a:r>
-              <a:rPr lang="en-US" smtClean="0"/>
+              <a:rPr lang="en-US"/>
               <a:t>Click to edit Master text styles</a:t>
             </a:r>
           </a:p>
@@ -2065,38 +2066,37 @@
           <a:p>
             <a:pPr lvl="0"/>
             <a:r>
-              <a:rPr lang="en-US" smtClean="0"/>
+              <a:rPr lang="en-US"/>
               <a:t>Click to edit Master text styles</a:t>
             </a:r>
           </a:p>
           <a:p>
             <a:pPr lvl="1"/>
             <a:r>
-              <a:rPr lang="en-US" smtClean="0"/>
+              <a:rPr lang="en-US"/>
               <a:t>Second level</a:t>
             </a:r>
           </a:p>
           <a:p>
             <a:pPr lvl="2"/>
             <a:r>
-              <a:rPr lang="en-US" smtClean="0"/>
+              <a:rPr lang="en-US"/>
               <a:t>Third level</a:t>
             </a:r>
           </a:p>
           <a:p>
             <a:pPr lvl="3"/>
             <a:r>
-              <a:rPr lang="en-US" smtClean="0"/>
+              <a:rPr lang="en-US"/>
               <a:t>Fourth level</a:t>
             </a:r>
           </a:p>
           <a:p>
             <a:pPr lvl="4"/>
             <a:r>
-              <a:rPr lang="en-US" smtClean="0"/>
+              <a:rPr lang="en-US"/>
               <a:t>Fifth level</a:t>
             </a:r>
-            <a:endParaRPr lang="en-US"/>
           </a:p>
         </p:txBody>
       </p:sp>
@@ -2117,7 +2117,7 @@
           <a:p>
             <a:fld id="{78C97017-6FC3-485B-9764-EAC9E56C1D49}" type="datetimeFigureOut">
               <a:rPr lang="en-US" smtClean="0"/>
-              <a:t>10/16/2016</a:t>
+              <a:t>11/12/18</a:t>
             </a:fld>
             <a:endParaRPr lang="en-US"/>
           </a:p>
@@ -2211,10 +2211,9 @@
           <a:lstStyle/>
           <a:p>
             <a:r>
-              <a:rPr lang="en-US" smtClean="0"/>
+              <a:rPr lang="en-US"/>
               <a:t>Click to edit Master title style</a:t>
             </a:r>
-            <a:endParaRPr lang="en-US"/>
           </a:p>
         </p:txBody>
       </p:sp>
@@ -2235,7 +2234,7 @@
           <a:p>
             <a:fld id="{78C97017-6FC3-485B-9764-EAC9E56C1D49}" type="datetimeFigureOut">
               <a:rPr lang="en-US" smtClean="0"/>
-              <a:t>10/16/2016</a:t>
+              <a:t>11/12/18</a:t>
             </a:fld>
             <a:endParaRPr lang="en-US"/>
           </a:p>
@@ -2330,7 +2329,7 @@
           <a:p>
             <a:fld id="{78C97017-6FC3-485B-9764-EAC9E56C1D49}" type="datetimeFigureOut">
               <a:rPr lang="en-US" smtClean="0"/>
-              <a:t>10/16/2016</a:t>
+              <a:t>11/12/18</a:t>
             </a:fld>
             <a:endParaRPr lang="en-US"/>
           </a:p>
@@ -2433,10 +2432,9 @@
           </a:lstStyle>
           <a:p>
             <a:r>
-              <a:rPr lang="en-US" smtClean="0"/>
+              <a:rPr lang="en-US"/>
               <a:t>Click to edit Master title style</a:t>
             </a:r>
-            <a:endParaRPr lang="en-US"/>
           </a:p>
         </p:txBody>
       </p:sp>
@@ -2490,38 +2488,37 @@
           <a:p>
             <a:pPr lvl="0"/>
             <a:r>
-              <a:rPr lang="en-US" smtClean="0"/>
+              <a:rPr lang="en-US"/>
               <a:t>Click to edit Master text styles</a:t>
             </a:r>
           </a:p>
           <a:p>
             <a:pPr lvl="1"/>
             <a:r>
-              <a:rPr lang="en-US" smtClean="0"/>
+              <a:rPr lang="en-US"/>
               <a:t>Second level</a:t>
             </a:r>
           </a:p>
           <a:p>
             <a:pPr lvl="2"/>
             <a:r>
-              <a:rPr lang="en-US" smtClean="0"/>
+              <a:rPr lang="en-US"/>
               <a:t>Third level</a:t>
             </a:r>
           </a:p>
           <a:p>
             <a:pPr lvl="3"/>
             <a:r>
-              <a:rPr lang="en-US" smtClean="0"/>
+              <a:rPr lang="en-US"/>
               <a:t>Fourth level</a:t>
             </a:r>
           </a:p>
           <a:p>
             <a:pPr lvl="4"/>
             <a:r>
-              <a:rPr lang="en-US" smtClean="0"/>
+              <a:rPr lang="en-US"/>
               <a:t>Fifth level</a:t>
             </a:r>
-            <a:endParaRPr lang="en-US"/>
           </a:p>
         </p:txBody>
       </p:sp>
@@ -2584,7 +2581,7 @@
           <a:p>
             <a:pPr lvl="0"/>
             <a:r>
-              <a:rPr lang="en-US" smtClean="0"/>
+              <a:rPr lang="en-US"/>
               <a:t>Click to edit Master text styles</a:t>
             </a:r>
           </a:p>
@@ -2607,7 +2604,7 @@
           <a:p>
             <a:fld id="{78C97017-6FC3-485B-9764-EAC9E56C1D49}" type="datetimeFigureOut">
               <a:rPr lang="en-US" smtClean="0"/>
-              <a:t>10/16/2016</a:t>
+              <a:t>11/12/18</a:t>
             </a:fld>
             <a:endParaRPr lang="en-US"/>
           </a:p>
@@ -2710,10 +2707,9 @@
           </a:lstStyle>
           <a:p>
             <a:r>
-              <a:rPr lang="en-US" smtClean="0"/>
+              <a:rPr lang="en-US"/>
               <a:t>Click to edit Master title style</a:t>
             </a:r>
-            <a:endParaRPr lang="en-US"/>
           </a:p>
         </p:txBody>
       </p:sp>
@@ -2837,7 +2833,7 @@
           <a:p>
             <a:pPr lvl="0"/>
             <a:r>
-              <a:rPr lang="en-US" smtClean="0"/>
+              <a:rPr lang="en-US"/>
               <a:t>Click to edit Master text styles</a:t>
             </a:r>
           </a:p>
@@ -2860,7 +2856,7 @@
           <a:p>
             <a:fld id="{78C97017-6FC3-485B-9764-EAC9E56C1D49}" type="datetimeFigureOut">
               <a:rPr lang="en-US" smtClean="0"/>
-              <a:t>10/16/2016</a:t>
+              <a:t>11/12/18</a:t>
             </a:fld>
             <a:endParaRPr lang="en-US"/>
           </a:p>
@@ -2969,10 +2965,9 @@
           <a:lstStyle/>
           <a:p>
             <a:r>
-              <a:rPr lang="en-US" smtClean="0"/>
+              <a:rPr lang="en-US"/>
               <a:t>Click to edit Master title style</a:t>
             </a:r>
-            <a:endParaRPr lang="en-US"/>
           </a:p>
         </p:txBody>
       </p:sp>
@@ -3003,38 +2998,37 @@
           <a:p>
             <a:pPr lvl="0"/>
             <a:r>
-              <a:rPr lang="en-US" smtClean="0"/>
+              <a:rPr lang="en-US"/>
               <a:t>Click to edit Master text styles</a:t>
             </a:r>
           </a:p>
           <a:p>
             <a:pPr lvl="1"/>
             <a:r>
-              <a:rPr lang="en-US" smtClean="0"/>
+              <a:rPr lang="en-US"/>
               <a:t>Second level</a:t>
             </a:r>
           </a:p>
           <a:p>
             <a:pPr lvl="2"/>
             <a:r>
-              <a:rPr lang="en-US" smtClean="0"/>
+              <a:rPr lang="en-US"/>
               <a:t>Third level</a:t>
             </a:r>
           </a:p>
           <a:p>
             <a:pPr lvl="3"/>
             <a:r>
-              <a:rPr lang="en-US" smtClean="0"/>
+              <a:rPr lang="en-US"/>
               <a:t>Fourth level</a:t>
             </a:r>
           </a:p>
           <a:p>
             <a:pPr lvl="4"/>
             <a:r>
-              <a:rPr lang="en-US" smtClean="0"/>
+              <a:rPr lang="en-US"/>
               <a:t>Fifth level</a:t>
             </a:r>
-            <a:endParaRPr lang="en-US"/>
           </a:p>
         </p:txBody>
       </p:sp>
@@ -3073,7 +3067,7 @@
           <a:p>
             <a:fld id="{78C97017-6FC3-485B-9764-EAC9E56C1D49}" type="datetimeFigureOut">
               <a:rPr lang="en-US" smtClean="0"/>
-              <a:t>10/16/2016</a:t>
+              <a:t>11/12/18</a:t>
             </a:fld>
             <a:endParaRPr lang="en-US"/>
           </a:p>
@@ -3456,8 +3450,8 @@
         </p:nvSpPr>
         <p:spPr>
           <a:xfrm>
-            <a:off x="1119865" y="2086382"/>
-            <a:ext cx="7871735" cy="1723618"/>
+            <a:off x="1119865" y="1843100"/>
+            <a:ext cx="7871735" cy="1966900"/>
           </a:xfrm>
           <a:prstGeom prst="roundRect">
             <a:avLst>
@@ -3494,7 +3488,7 @@
           <a:lstStyle/>
           <a:p>
             <a:r>
-              <a:rPr lang="en-US" sz="1200" b="1" dirty="0" smtClean="0">
+              <a:rPr lang="en-US" sz="1200" b="1" dirty="0">
                 <a:solidFill>
                   <a:schemeClr val="accent6">
                     <a:lumMod val="75000"/>
@@ -3561,7 +3555,7 @@
           <a:p>
             <a:pPr algn="ctr"/>
             <a:r>
-              <a:rPr lang="en-US" sz="1050" dirty="0" smtClean="0">
+              <a:rPr lang="en-US" sz="1050" dirty="0">
                 <a:solidFill>
                   <a:schemeClr val="bg1"/>
                 </a:solidFill>
@@ -3569,14 +3563,14 @@
               <a:t>&lt;&lt;interface&gt;&gt;</a:t>
             </a:r>
             <a:br>
-              <a:rPr lang="en-US" sz="1050" dirty="0" smtClean="0">
+              <a:rPr lang="en-US" sz="1050" dirty="0">
                 <a:solidFill>
                   <a:schemeClr val="bg1"/>
                 </a:solidFill>
               </a:rPr>
             </a:br>
             <a:r>
-              <a:rPr lang="en-US" sz="1050" dirty="0" err="1" smtClean="0">
+              <a:rPr lang="en-US" sz="1050" dirty="0" err="1">
                 <a:solidFill>
                   <a:schemeClr val="bg1"/>
                 </a:solidFill>
@@ -3599,8 +3593,8 @@
         </p:nvSpPr>
         <p:spPr>
           <a:xfrm rot="16200000">
-            <a:off x="1683963" y="2868687"/>
-            <a:ext cx="1093635" cy="346760"/>
+            <a:off x="1503145" y="2687869"/>
+            <a:ext cx="1455272" cy="346760"/>
           </a:xfrm>
           <a:prstGeom prst="rect">
             <a:avLst/>
@@ -3639,7 +3633,7 @@
           <a:p>
             <a:pPr algn="ctr"/>
             <a:r>
-              <a:rPr lang="en-US" sz="1050" dirty="0" err="1" smtClean="0">
+              <a:rPr lang="en-US" sz="1050" dirty="0" err="1">
                 <a:solidFill>
                   <a:schemeClr val="bg1"/>
                 </a:solidFill>
@@ -3713,7 +3707,7 @@
           <a:p>
             <a:pPr algn="ctr"/>
             <a:r>
-              <a:rPr lang="en-US" sz="1050" dirty="0" smtClean="0">
+              <a:rPr lang="en-US" sz="1050" dirty="0">
                 <a:solidFill>
                   <a:schemeClr val="bg1"/>
                 </a:solidFill>
@@ -4147,7 +4141,7 @@
           <a:p>
             <a:pPr algn="ctr"/>
             <a:r>
-              <a:rPr lang="en-US" sz="1050" b="1" dirty="0" err="1" smtClean="0">
+              <a:rPr lang="en-US" sz="1050" b="1" dirty="0" err="1">
                 <a:solidFill>
                   <a:schemeClr val="accent6">
                     <a:lumMod val="75000"/>
@@ -4156,18 +4150,8 @@
               </a:rPr>
               <a:t>XmlAddressBook</a:t>
             </a:r>
-            <a:r>
-              <a:rPr lang="en-US" sz="1050" b="1" dirty="0" smtClean="0">
-                <a:solidFill>
-                  <a:schemeClr val="accent6">
-                    <a:lumMod val="75000"/>
-                  </a:schemeClr>
-                </a:solidFill>
-              </a:rPr>
-              <a:t/>
-            </a:r>
             <a:br>
-              <a:rPr lang="en-US" sz="1050" b="1" dirty="0" smtClean="0">
+              <a:rPr lang="en-US" sz="1050" b="1" dirty="0">
                 <a:solidFill>
                   <a:schemeClr val="accent6">
                     <a:lumMod val="75000"/>
@@ -4176,7 +4160,7 @@
               </a:rPr>
             </a:br>
             <a:r>
-              <a:rPr lang="en-US" sz="1050" b="1" dirty="0" smtClean="0">
+              <a:rPr lang="en-US" sz="1050" b="1" dirty="0">
                 <a:solidFill>
                   <a:schemeClr val="accent6">
                     <a:lumMod val="75000"/>
@@ -4243,7 +4227,7 @@
           <a:p>
             <a:pPr algn="ctr"/>
             <a:r>
-              <a:rPr lang="en-US" sz="1050" dirty="0" smtClean="0">
+              <a:rPr lang="en-US" sz="1050" dirty="0">
                 <a:solidFill>
                   <a:schemeClr val="bg1"/>
                 </a:solidFill>
@@ -4251,14 +4235,14 @@
               <a:t>&lt;&lt;interface&gt;&gt;</a:t>
             </a:r>
             <a:br>
-              <a:rPr lang="en-US" sz="1050" dirty="0" smtClean="0">
+              <a:rPr lang="en-US" sz="1050" dirty="0">
                 <a:solidFill>
                   <a:schemeClr val="bg1"/>
                 </a:solidFill>
               </a:rPr>
             </a:br>
             <a:r>
-              <a:rPr lang="en-US" sz="1050" dirty="0" err="1" smtClean="0">
+              <a:rPr lang="en-US" sz="1050" dirty="0" err="1">
                 <a:solidFill>
                   <a:schemeClr val="bg1"/>
                 </a:solidFill>
@@ -4516,30 +4500,22 @@
           <a:p>
             <a:pPr algn="ctr"/>
             <a:r>
-              <a:rPr lang="en-US" sz="1050" dirty="0" err="1" smtClean="0">
+              <a:rPr lang="en-US" sz="1050" dirty="0" err="1">
                 <a:solidFill>
                   <a:schemeClr val="bg1"/>
                 </a:solidFill>
               </a:rPr>
               <a:t>JsonUserPrefs</a:t>
             </a:r>
-            <a:r>
-              <a:rPr lang="en-US" sz="1050" dirty="0" smtClean="0">
-                <a:solidFill>
-                  <a:schemeClr val="bg1"/>
-                </a:solidFill>
-              </a:rPr>
-              <a:t/>
-            </a:r>
             <a:br>
-              <a:rPr lang="en-US" sz="1050" dirty="0" smtClean="0">
+              <a:rPr lang="en-US" sz="1050" dirty="0">
                 <a:solidFill>
                   <a:schemeClr val="bg1"/>
                 </a:solidFill>
               </a:rPr>
             </a:br>
             <a:r>
-              <a:rPr lang="en-US" sz="1050" dirty="0" smtClean="0">
+              <a:rPr lang="en-US" sz="1050" dirty="0">
                 <a:solidFill>
                   <a:schemeClr val="bg1"/>
                 </a:solidFill>
@@ -4591,7 +4567,7 @@
           <a:p>
             <a:pPr algn="ctr"/>
             <a:r>
-              <a:rPr lang="en-US" sz="1050" b="1" dirty="0" err="1" smtClean="0">
+              <a:rPr lang="en-US" sz="1050" b="1" dirty="0" err="1">
                 <a:solidFill>
                   <a:schemeClr val="accent6">
                     <a:lumMod val="75000"/>
@@ -4600,18 +4576,8 @@
               </a:rPr>
               <a:t>XmlSerializable</a:t>
             </a:r>
-            <a:r>
-              <a:rPr lang="en-US" sz="1050" b="1" dirty="0" smtClean="0">
-                <a:solidFill>
-                  <a:schemeClr val="accent6">
-                    <a:lumMod val="75000"/>
-                  </a:schemeClr>
-                </a:solidFill>
-              </a:rPr>
-              <a:t/>
-            </a:r>
             <a:br>
-              <a:rPr lang="en-US" sz="1050" b="1" dirty="0" smtClean="0">
+              <a:rPr lang="en-US" sz="1050" b="1" dirty="0">
                 <a:solidFill>
                   <a:schemeClr val="accent6">
                     <a:lumMod val="75000"/>
@@ -4620,7 +4586,7 @@
               </a:rPr>
             </a:br>
             <a:r>
-              <a:rPr lang="en-US" sz="1050" b="1" dirty="0" err="1" smtClean="0">
+              <a:rPr lang="en-US" sz="1050" b="1" dirty="0" err="1">
                 <a:solidFill>
                   <a:schemeClr val="accent6">
                     <a:lumMod val="75000"/>
@@ -4717,7 +4683,7 @@
           <a:p>
             <a:pPr algn="ctr"/>
             <a:r>
-              <a:rPr lang="en-US" sz="1050" b="1" dirty="0" err="1" smtClean="0">
+              <a:rPr lang="en-US" sz="1050" b="1" dirty="0" err="1">
                 <a:solidFill>
                   <a:schemeClr val="accent6">
                     <a:lumMod val="75000"/>
@@ -4773,7 +4739,7 @@
           <a:p>
             <a:pPr algn="ctr"/>
             <a:r>
-              <a:rPr lang="en-US" sz="1050" b="1" dirty="0" err="1" smtClean="0">
+              <a:rPr lang="en-US" sz="1050" b="1" dirty="0" err="1">
                 <a:solidFill>
                   <a:schemeClr val="accent6">
                     <a:lumMod val="75000"/>
@@ -4833,6 +4799,379 @@
           </a:fontRef>
         </p:style>
       </p:cxnSp>
+      <p:sp>
+        <p:nvSpPr>
+          <p:cNvPr id="26" name="Rectangle 8">
+            <a:extLst>
+              <a:ext uri="{FF2B5EF4-FFF2-40B4-BE49-F238E27FC236}">
+                <a16:creationId xmlns:a16="http://schemas.microsoft.com/office/drawing/2014/main" id="{F5B36806-8CD0-534F-9FE3-B586400A8BE6}"/>
+              </a:ext>
+            </a:extLst>
+          </p:cNvPr>
+          <p:cNvSpPr/>
+          <p:nvPr/>
+        </p:nvSpPr>
+        <p:spPr>
+          <a:xfrm>
+            <a:off x="2884609" y="2084460"/>
+            <a:ext cx="1621857" cy="346760"/>
+          </a:xfrm>
+          <a:prstGeom prst="rect">
+            <a:avLst/>
+          </a:prstGeom>
+          <a:solidFill>
+            <a:schemeClr val="accent6">
+              <a:lumMod val="75000"/>
+            </a:schemeClr>
+          </a:solidFill>
+          <a:ln w="19050">
+            <a:solidFill>
+              <a:schemeClr val="accent6">
+                <a:lumMod val="75000"/>
+              </a:schemeClr>
+            </a:solidFill>
+          </a:ln>
+          <a:effectLst/>
+        </p:spPr>
+        <p:style>
+          <a:lnRef idx="1">
+            <a:schemeClr val="accent2"/>
+          </a:lnRef>
+          <a:fillRef idx="2">
+            <a:schemeClr val="accent2"/>
+          </a:fillRef>
+          <a:effectRef idx="1">
+            <a:schemeClr val="accent2"/>
+          </a:effectRef>
+          <a:fontRef idx="minor">
+            <a:schemeClr val="dk1"/>
+          </a:fontRef>
+        </p:style>
+        <p:txBody>
+          <a:bodyPr rtlCol="0" anchor="ctr"/>
+          <a:lstStyle/>
+          <a:p>
+            <a:pPr algn="ctr"/>
+            <a:r>
+              <a:rPr lang="en-US" sz="1050" dirty="0">
+                <a:solidFill>
+                  <a:schemeClr val="bg1"/>
+                </a:solidFill>
+              </a:rPr>
+              <a:t>&lt;&lt;interface&gt;&gt;</a:t>
+            </a:r>
+            <a:br>
+              <a:rPr lang="en-US" sz="1050" dirty="0">
+                <a:solidFill>
+                  <a:schemeClr val="bg1"/>
+                </a:solidFill>
+              </a:rPr>
+            </a:br>
+            <a:r>
+              <a:rPr lang="en-US" sz="1050" dirty="0" err="1">
+                <a:solidFill>
+                  <a:schemeClr val="bg1"/>
+                </a:solidFill>
+              </a:rPr>
+              <a:t>NotesDownloadStorage</a:t>
+            </a:r>
+            <a:endParaRPr lang="en-SG" sz="1050" dirty="0">
+              <a:solidFill>
+                <a:schemeClr val="bg1"/>
+              </a:solidFill>
+            </a:endParaRPr>
+          </a:p>
+        </p:txBody>
+      </p:sp>
+      <p:cxnSp>
+        <p:nvCxnSpPr>
+          <p:cNvPr id="27" name="Straight Arrow Connector 26">
+            <a:extLst>
+              <a:ext uri="{FF2B5EF4-FFF2-40B4-BE49-F238E27FC236}">
+                <a16:creationId xmlns:a16="http://schemas.microsoft.com/office/drawing/2014/main" id="{6DCCE53D-C95C-074E-B8D5-FFE7816483A3}"/>
+              </a:ext>
+            </a:extLst>
+          </p:cNvPr>
+          <p:cNvCxnSpPr>
+            <a:cxnSpLocks/>
+            <a:stCxn id="28" idx="3"/>
+            <a:endCxn id="26" idx="1"/>
+          </p:cNvCxnSpPr>
+          <p:nvPr/>
+        </p:nvCxnSpPr>
+        <p:spPr>
+          <a:xfrm>
+            <a:off x="2653133" y="2257741"/>
+            <a:ext cx="231476" cy="99"/>
+          </a:xfrm>
+          <a:prstGeom prst="straightConnector1">
+            <a:avLst/>
+          </a:prstGeom>
+          <a:ln w="19050">
+            <a:solidFill>
+              <a:schemeClr val="accent6">
+                <a:lumMod val="75000"/>
+              </a:schemeClr>
+            </a:solidFill>
+            <a:headEnd type="none" w="med" len="med"/>
+            <a:tailEnd type="arrow" w="med" len="med"/>
+          </a:ln>
+          <a:effectLst/>
+        </p:spPr>
+        <p:style>
+          <a:lnRef idx="1">
+            <a:schemeClr val="accent2"/>
+          </a:lnRef>
+          <a:fillRef idx="2">
+            <a:schemeClr val="accent2"/>
+          </a:fillRef>
+          <a:effectRef idx="1">
+            <a:schemeClr val="accent2"/>
+          </a:effectRef>
+          <a:fontRef idx="minor">
+            <a:schemeClr val="dk1"/>
+          </a:fontRef>
+        </p:style>
+      </p:cxnSp>
+      <p:sp>
+        <p:nvSpPr>
+          <p:cNvPr id="28" name="Flowchart: Decision 96">
+            <a:extLst>
+              <a:ext uri="{FF2B5EF4-FFF2-40B4-BE49-F238E27FC236}">
+                <a16:creationId xmlns:a16="http://schemas.microsoft.com/office/drawing/2014/main" id="{0734D0EE-8FEF-B34D-A93B-3BE8B00A3630}"/>
+              </a:ext>
+            </a:extLst>
+          </p:cNvPr>
+          <p:cNvSpPr/>
+          <p:nvPr/>
+        </p:nvSpPr>
+        <p:spPr>
+          <a:xfrm>
+            <a:off x="2417085" y="2171051"/>
+            <a:ext cx="236048" cy="173380"/>
+          </a:xfrm>
+          <a:prstGeom prst="flowChartDecision">
+            <a:avLst/>
+          </a:prstGeom>
+          <a:noFill/>
+          <a:ln w="19050">
+            <a:solidFill>
+              <a:schemeClr val="accent6">
+                <a:lumMod val="75000"/>
+              </a:schemeClr>
+            </a:solidFill>
+          </a:ln>
+          <a:effectLst/>
+        </p:spPr>
+        <p:style>
+          <a:lnRef idx="1">
+            <a:schemeClr val="accent2"/>
+          </a:lnRef>
+          <a:fillRef idx="2">
+            <a:schemeClr val="accent2"/>
+          </a:fillRef>
+          <a:effectRef idx="1">
+            <a:schemeClr val="accent2"/>
+          </a:effectRef>
+          <a:fontRef idx="minor">
+            <a:schemeClr val="dk1"/>
+          </a:fontRef>
+        </p:style>
+        <p:txBody>
+          <a:bodyPr rtlCol="0" anchor="ctr"/>
+          <a:lstStyle/>
+          <a:p>
+            <a:pPr algn="ctr"/>
+            <a:endParaRPr lang="en-US" sz="1050">
+              <a:solidFill>
+                <a:schemeClr val="bg1"/>
+              </a:solidFill>
+            </a:endParaRPr>
+          </a:p>
+        </p:txBody>
+      </p:sp>
+      <p:cxnSp>
+        <p:nvCxnSpPr>
+          <p:cNvPr id="32" name="Elbow Connector 63">
+            <a:extLst>
+              <a:ext uri="{FF2B5EF4-FFF2-40B4-BE49-F238E27FC236}">
+                <a16:creationId xmlns:a16="http://schemas.microsoft.com/office/drawing/2014/main" id="{03FFDA61-142F-4E44-887D-46459B8A9656}"/>
+              </a:ext>
+            </a:extLst>
+          </p:cNvPr>
+          <p:cNvCxnSpPr>
+            <a:stCxn id="33" idx="3"/>
+            <a:endCxn id="34" idx="1"/>
+          </p:cNvCxnSpPr>
+          <p:nvPr/>
+        </p:nvCxnSpPr>
+        <p:spPr>
+          <a:xfrm flipV="1">
+            <a:off x="4702841" y="2253240"/>
+            <a:ext cx="223324" cy="1"/>
+          </a:xfrm>
+          <a:prstGeom prst="bentConnector3">
+            <a:avLst>
+              <a:gd name="adj1" fmla="val 50000"/>
+            </a:avLst>
+          </a:prstGeom>
+          <a:ln w="19050">
+            <a:solidFill>
+              <a:schemeClr val="accent6">
+                <a:lumMod val="75000"/>
+              </a:schemeClr>
+            </a:solidFill>
+            <a:prstDash val="sysDot"/>
+            <a:headEnd type="none" w="med" len="med"/>
+            <a:tailEnd type="none" w="med" len="med"/>
+          </a:ln>
+          <a:effectLst/>
+        </p:spPr>
+        <p:style>
+          <a:lnRef idx="1">
+            <a:schemeClr val="accent2"/>
+          </a:lnRef>
+          <a:fillRef idx="2">
+            <a:schemeClr val="accent2"/>
+          </a:fillRef>
+          <a:effectRef idx="1">
+            <a:schemeClr val="accent2"/>
+          </a:effectRef>
+          <a:fontRef idx="minor">
+            <a:schemeClr val="dk1"/>
+          </a:fontRef>
+        </p:style>
+      </p:cxnSp>
+      <p:sp>
+        <p:nvSpPr>
+          <p:cNvPr id="33" name="Isosceles Triangle 102">
+            <a:extLst>
+              <a:ext uri="{FF2B5EF4-FFF2-40B4-BE49-F238E27FC236}">
+                <a16:creationId xmlns:a16="http://schemas.microsoft.com/office/drawing/2014/main" id="{42E6884E-ED09-3A49-9B8A-FE22142CC6ED}"/>
+              </a:ext>
+            </a:extLst>
+          </p:cNvPr>
+          <p:cNvSpPr/>
+          <p:nvPr/>
+        </p:nvSpPr>
+        <p:spPr>
+          <a:xfrm rot="5400000" flipV="1">
+            <a:off x="4479827" y="2165479"/>
+            <a:ext cx="270504" cy="175523"/>
+          </a:xfrm>
+          <a:prstGeom prst="triangle">
+            <a:avLst/>
+          </a:prstGeom>
+          <a:solidFill>
+            <a:schemeClr val="accent6">
+              <a:lumMod val="75000"/>
+            </a:schemeClr>
+          </a:solidFill>
+          <a:ln w="19050">
+            <a:solidFill>
+              <a:schemeClr val="accent6">
+                <a:lumMod val="75000"/>
+              </a:schemeClr>
+            </a:solidFill>
+          </a:ln>
+          <a:effectLst/>
+        </p:spPr>
+        <p:style>
+          <a:lnRef idx="1">
+            <a:schemeClr val="accent2"/>
+          </a:lnRef>
+          <a:fillRef idx="2">
+            <a:schemeClr val="accent2"/>
+          </a:fillRef>
+          <a:effectRef idx="1">
+            <a:schemeClr val="accent2"/>
+          </a:effectRef>
+          <a:fontRef idx="minor">
+            <a:schemeClr val="dk1"/>
+          </a:fontRef>
+        </p:style>
+        <p:txBody>
+          <a:bodyPr rtlCol="0" anchor="ctr"/>
+          <a:lstStyle/>
+          <a:p>
+            <a:pPr algn="ctr"/>
+            <a:endParaRPr lang="en-SG" sz="1050">
+              <a:solidFill>
+                <a:schemeClr val="bg1"/>
+              </a:solidFill>
+            </a:endParaRPr>
+          </a:p>
+        </p:txBody>
+      </p:sp>
+      <p:sp>
+        <p:nvSpPr>
+          <p:cNvPr id="34" name="Rectangle 8">
+            <a:extLst>
+              <a:ext uri="{FF2B5EF4-FFF2-40B4-BE49-F238E27FC236}">
+                <a16:creationId xmlns:a16="http://schemas.microsoft.com/office/drawing/2014/main" id="{43B06BC6-F0A1-2141-9F08-6AC8C8E9CB95}"/>
+              </a:ext>
+            </a:extLst>
+          </p:cNvPr>
+          <p:cNvSpPr/>
+          <p:nvPr/>
+        </p:nvSpPr>
+        <p:spPr>
+          <a:xfrm>
+            <a:off x="4926165" y="2079860"/>
+            <a:ext cx="1093635" cy="346760"/>
+          </a:xfrm>
+          <a:prstGeom prst="rect">
+            <a:avLst/>
+          </a:prstGeom>
+          <a:solidFill>
+            <a:schemeClr val="accent6">
+              <a:lumMod val="75000"/>
+            </a:schemeClr>
+          </a:solidFill>
+          <a:ln w="19050">
+            <a:solidFill>
+              <a:schemeClr val="accent6">
+                <a:lumMod val="75000"/>
+              </a:schemeClr>
+            </a:solidFill>
+          </a:ln>
+          <a:effectLst/>
+        </p:spPr>
+        <p:style>
+          <a:lnRef idx="1">
+            <a:schemeClr val="accent2"/>
+          </a:lnRef>
+          <a:fillRef idx="2">
+            <a:schemeClr val="accent2"/>
+          </a:fillRef>
+          <a:effectRef idx="1">
+            <a:schemeClr val="accent2"/>
+          </a:effectRef>
+          <a:fontRef idx="minor">
+            <a:schemeClr val="dk1"/>
+          </a:fontRef>
+        </p:style>
+        <p:txBody>
+          <a:bodyPr rtlCol="0" anchor="ctr"/>
+          <a:lstStyle/>
+          <a:p>
+            <a:pPr algn="ctr"/>
+            <a:r>
+              <a:rPr lang="en-US" sz="1050" dirty="0" err="1">
+                <a:solidFill>
+                  <a:schemeClr val="bg1"/>
+                </a:solidFill>
+              </a:rPr>
+              <a:t>NotesDownloadStorageHelper</a:t>
+            </a:r>
+            <a:endParaRPr lang="en-SG" sz="1050" dirty="0">
+              <a:solidFill>
+                <a:schemeClr val="bg1"/>
+              </a:solidFill>
+            </a:endParaRPr>
+          </a:p>
+        </p:txBody>
+      </p:sp>
     </p:spTree>
     <p:extLst>
       <p:ext uri="{BB962C8B-B14F-4D97-AF65-F5344CB8AC3E}">
@@ -4843,13 +5182,6 @@
   <p:clrMapOvr>
     <a:masterClrMapping/>
   </p:clrMapOvr>
-  <p:timing>
-    <p:tnLst>
-      <p:par>
-        <p:cTn id="1" dur="indefinite" restart="never" nodeType="tmRoot"/>
-      </p:par>
-    </p:tnLst>
-  </p:timing>
 </p:sld>
 </file>
 
